--- a/report/graphic_res.pptx
+++ b/report/graphic_res.pptx
@@ -5,10 +5,11 @@
     <p:sldMasterId id="2147483648" r:id="rId1"/>
   </p:sldMasterIdLst>
   <p:sldIdLst>
-    <p:sldId id="256" r:id="rId2"/>
-    <p:sldId id="257" r:id="rId3"/>
-    <p:sldId id="258" r:id="rId4"/>
-    <p:sldId id="259" r:id="rId5"/>
+    <p:sldId id="260" r:id="rId2"/>
+    <p:sldId id="256" r:id="rId3"/>
+    <p:sldId id="257" r:id="rId4"/>
+    <p:sldId id="258" r:id="rId5"/>
+    <p:sldId id="259" r:id="rId6"/>
   </p:sldIdLst>
   <p:sldSz cx="9144000" cy="6858000" type="screen4x3"/>
   <p:notesSz cx="6858000" cy="9144000"/>
@@ -292,7 +293,7 @@
             <a:fld id="{1D8BD707-D9CF-40AE-B4C6-C98DA3205C09}" type="datetimeFigureOut">
               <a:rPr lang="en-US" smtClean="0"/>
               <a:pPr/>
-              <a:t>5/25/2014</a:t>
+              <a:t>5/31/2014</a:t>
             </a:fld>
             <a:endParaRPr lang="en-US"/>
           </a:p>
@@ -459,7 +460,7 @@
             <a:fld id="{1D8BD707-D9CF-40AE-B4C6-C98DA3205C09}" type="datetimeFigureOut">
               <a:rPr lang="en-US" smtClean="0"/>
               <a:pPr/>
-              <a:t>5/25/2014</a:t>
+              <a:t>5/31/2014</a:t>
             </a:fld>
             <a:endParaRPr lang="en-US"/>
           </a:p>
@@ -636,7 +637,7 @@
             <a:fld id="{1D8BD707-D9CF-40AE-B4C6-C98DA3205C09}" type="datetimeFigureOut">
               <a:rPr lang="en-US" smtClean="0"/>
               <a:pPr/>
-              <a:t>5/25/2014</a:t>
+              <a:t>5/31/2014</a:t>
             </a:fld>
             <a:endParaRPr lang="en-US"/>
           </a:p>
@@ -803,7 +804,7 @@
             <a:fld id="{1D8BD707-D9CF-40AE-B4C6-C98DA3205C09}" type="datetimeFigureOut">
               <a:rPr lang="en-US" smtClean="0"/>
               <a:pPr/>
-              <a:t>5/25/2014</a:t>
+              <a:t>5/31/2014</a:t>
             </a:fld>
             <a:endParaRPr lang="en-US"/>
           </a:p>
@@ -1046,7 +1047,7 @@
             <a:fld id="{1D8BD707-D9CF-40AE-B4C6-C98DA3205C09}" type="datetimeFigureOut">
               <a:rPr lang="en-US" smtClean="0"/>
               <a:pPr/>
-              <a:t>5/25/2014</a:t>
+              <a:t>5/31/2014</a:t>
             </a:fld>
             <a:endParaRPr lang="en-US"/>
           </a:p>
@@ -1331,7 +1332,7 @@
             <a:fld id="{1D8BD707-D9CF-40AE-B4C6-C98DA3205C09}" type="datetimeFigureOut">
               <a:rPr lang="en-US" smtClean="0"/>
               <a:pPr/>
-              <a:t>5/25/2014</a:t>
+              <a:t>5/31/2014</a:t>
             </a:fld>
             <a:endParaRPr lang="en-US"/>
           </a:p>
@@ -1750,7 +1751,7 @@
             <a:fld id="{1D8BD707-D9CF-40AE-B4C6-C98DA3205C09}" type="datetimeFigureOut">
               <a:rPr lang="en-US" smtClean="0"/>
               <a:pPr/>
-              <a:t>5/25/2014</a:t>
+              <a:t>5/31/2014</a:t>
             </a:fld>
             <a:endParaRPr lang="en-US"/>
           </a:p>
@@ -1865,7 +1866,7 @@
             <a:fld id="{1D8BD707-D9CF-40AE-B4C6-C98DA3205C09}" type="datetimeFigureOut">
               <a:rPr lang="en-US" smtClean="0"/>
               <a:pPr/>
-              <a:t>5/25/2014</a:t>
+              <a:t>5/31/2014</a:t>
             </a:fld>
             <a:endParaRPr lang="en-US"/>
           </a:p>
@@ -1957,7 +1958,7 @@
             <a:fld id="{1D8BD707-D9CF-40AE-B4C6-C98DA3205C09}" type="datetimeFigureOut">
               <a:rPr lang="en-US" smtClean="0"/>
               <a:pPr/>
-              <a:t>5/25/2014</a:t>
+              <a:t>5/31/2014</a:t>
             </a:fld>
             <a:endParaRPr lang="en-US"/>
           </a:p>
@@ -2231,7 +2232,7 @@
             <a:fld id="{1D8BD707-D9CF-40AE-B4C6-C98DA3205C09}" type="datetimeFigureOut">
               <a:rPr lang="en-US" smtClean="0"/>
               <a:pPr/>
-              <a:t>5/25/2014</a:t>
+              <a:t>5/31/2014</a:t>
             </a:fld>
             <a:endParaRPr lang="en-US"/>
           </a:p>
@@ -2481,7 +2482,7 @@
             <a:fld id="{1D8BD707-D9CF-40AE-B4C6-C98DA3205C09}" type="datetimeFigureOut">
               <a:rPr lang="en-US" smtClean="0"/>
               <a:pPr/>
-              <a:t>5/25/2014</a:t>
+              <a:t>5/31/2014</a:t>
             </a:fld>
             <a:endParaRPr lang="en-US"/>
           </a:p>
@@ -2691,7 +2692,7 @@
             <a:fld id="{1D8BD707-D9CF-40AE-B4C6-C98DA3205C09}" type="datetimeFigureOut">
               <a:rPr lang="en-US" smtClean="0"/>
               <a:pPr/>
-              <a:t>5/25/2014</a:t>
+              <a:t>5/31/2014</a:t>
             </a:fld>
             <a:endParaRPr lang="en-US"/>
           </a:p>
@@ -3064,6 +3065,90 @@
       </p:grpSpPr>
       <p:pic>
         <p:nvPicPr>
+          <p:cNvPr id="1026" name="Picture 2"/>
+          <p:cNvPicPr>
+            <a:picLocks noChangeAspect="1" noChangeArrowheads="1"/>
+          </p:cNvPicPr>
+          <p:nvPr/>
+        </p:nvPicPr>
+        <p:blipFill>
+          <a:blip r:embed="rId2">
+            <a:extLst>
+              <a:ext uri="{28A0092B-C50C-407E-A947-70E740481C1C}">
+                <a14:useLocalDpi xmlns:a14="http://schemas.microsoft.com/office/drawing/2010/main" val="0"/>
+              </a:ext>
+            </a:extLst>
+          </a:blip>
+          <a:srcRect/>
+          <a:stretch>
+            <a:fillRect/>
+          </a:stretch>
+        </p:blipFill>
+        <p:spPr bwMode="auto">
+          <a:xfrm>
+            <a:off x="609600" y="133350"/>
+            <a:ext cx="7924800" cy="6591300"/>
+          </a:xfrm>
+          <a:prstGeom prst="rect">
+            <a:avLst/>
+          </a:prstGeom>
+          <a:noFill/>
+          <a:ln>
+            <a:noFill/>
+          </a:ln>
+          <a:extLst>
+            <a:ext uri="{909E8E84-426E-40DD-AFC4-6F175D3DCCD1}">
+              <a14:hiddenFill xmlns:a14="http://schemas.microsoft.com/office/drawing/2010/main">
+                <a:solidFill>
+                  <a:schemeClr val="accent1"/>
+                </a:solidFill>
+              </a14:hiddenFill>
+            </a:ext>
+            <a:ext uri="{91240B29-F687-4F45-9708-019B960494DF}">
+              <a14:hiddenLine xmlns:a14="http://schemas.microsoft.com/office/drawing/2010/main" w="9525">
+                <a:solidFill>
+                  <a:schemeClr val="tx1"/>
+                </a:solidFill>
+                <a:miter lim="800000"/>
+                <a:headEnd/>
+                <a:tailEnd/>
+              </a14:hiddenLine>
+            </a:ext>
+          </a:extLst>
+        </p:spPr>
+      </p:pic>
+    </p:spTree>
+    <p:extLst>
+      <p:ext uri="{BB962C8B-B14F-4D97-AF65-F5344CB8AC3E}">
+        <p14:creationId xmlns:p14="http://schemas.microsoft.com/office/powerpoint/2010/main" val="2686198012"/>
+      </p:ext>
+    </p:extLst>
+  </p:cSld>
+  <p:clrMapOvr>
+    <a:masterClrMapping/>
+  </p:clrMapOvr>
+</p:sld>
+</file>
+
+<file path=ppt/slides/slide2.xml><?xml version="1.0" encoding="utf-8"?>
+<p:sld xmlns:a="http://schemas.openxmlformats.org/drawingml/2006/main" xmlns:r="http://schemas.openxmlformats.org/officeDocument/2006/relationships" xmlns:p="http://schemas.openxmlformats.org/presentationml/2006/main">
+  <p:cSld>
+    <p:spTree>
+      <p:nvGrpSpPr>
+        <p:cNvPr id="1" name=""/>
+        <p:cNvGrpSpPr/>
+        <p:nvPr/>
+      </p:nvGrpSpPr>
+      <p:grpSpPr>
+        <a:xfrm>
+          <a:off x="0" y="0"/>
+          <a:ext cx="0" cy="0"/>
+          <a:chOff x="0" y="0"/>
+          <a:chExt cx="0" cy="0"/>
+        </a:xfrm>
+      </p:grpSpPr>
+      <p:pic>
+        <p:nvPicPr>
           <p:cNvPr id="1027" name="Picture 3"/>
           <p:cNvPicPr>
             <a:picLocks noChangeAspect="1" noChangeArrowheads="1"/>
@@ -3175,7 +3260,7 @@
 </p:sld>
 </file>
 
-<file path=ppt/slides/slide2.xml><?xml version="1.0" encoding="utf-8"?>
+<file path=ppt/slides/slide3.xml><?xml version="1.0" encoding="utf-8"?>
 <p:sld xmlns:a="http://schemas.openxmlformats.org/drawingml/2006/main" xmlns:r="http://schemas.openxmlformats.org/officeDocument/2006/relationships" xmlns:p="http://schemas.openxmlformats.org/presentationml/2006/main">
   <p:cSld>
     <p:spTree>
@@ -3259,7 +3344,7 @@
 </p:sld>
 </file>
 
-<file path=ppt/slides/slide3.xml><?xml version="1.0" encoding="utf-8"?>
+<file path=ppt/slides/slide4.xml><?xml version="1.0" encoding="utf-8"?>
 <p:sld xmlns:a="http://schemas.openxmlformats.org/drawingml/2006/main" xmlns:r="http://schemas.openxmlformats.org/officeDocument/2006/relationships" xmlns:p="http://schemas.openxmlformats.org/presentationml/2006/main">
   <p:cSld>
     <p:spTree>
@@ -3799,7 +3884,7 @@
 </p:sld>
 </file>
 
-<file path=ppt/slides/slide4.xml><?xml version="1.0" encoding="utf-8"?>
+<file path=ppt/slides/slide5.xml><?xml version="1.0" encoding="utf-8"?>
 <p:sld xmlns:a="http://schemas.openxmlformats.org/drawingml/2006/main" xmlns:r="http://schemas.openxmlformats.org/officeDocument/2006/relationships" xmlns:p="http://schemas.openxmlformats.org/presentationml/2006/main">
   <p:cSld>
     <p:spTree>

--- a/report/graphic_res.pptx
+++ b/report/graphic_res.pptx
@@ -6,10 +6,14 @@
   </p:sldMasterIdLst>
   <p:sldIdLst>
     <p:sldId id="260" r:id="rId2"/>
-    <p:sldId id="256" r:id="rId3"/>
-    <p:sldId id="257" r:id="rId4"/>
-    <p:sldId id="258" r:id="rId5"/>
-    <p:sldId id="259" r:id="rId6"/>
+    <p:sldId id="261" r:id="rId3"/>
+    <p:sldId id="262" r:id="rId4"/>
+    <p:sldId id="256" r:id="rId5"/>
+    <p:sldId id="257" r:id="rId6"/>
+    <p:sldId id="264" r:id="rId7"/>
+    <p:sldId id="263" r:id="rId8"/>
+    <p:sldId id="258" r:id="rId9"/>
+    <p:sldId id="259" r:id="rId10"/>
   </p:sldIdLst>
   <p:sldSz cx="9144000" cy="6858000" type="screen4x3"/>
   <p:notesSz cx="6858000" cy="9144000"/>
@@ -3149,7 +3153,7 @@
       </p:grpSpPr>
       <p:pic>
         <p:nvPicPr>
-          <p:cNvPr id="1027" name="Picture 3"/>
+          <p:cNvPr id="1026" name="Picture 2"/>
           <p:cNvPicPr>
             <a:picLocks noChangeAspect="1" noChangeArrowheads="1"/>
           </p:cNvPicPr>
@@ -3170,8 +3174,8 @@
         </p:blipFill>
         <p:spPr bwMode="auto">
           <a:xfrm>
-            <a:off x="2071688" y="1047750"/>
-            <a:ext cx="5000625" cy="4762500"/>
+            <a:off x="609600" y="138113"/>
+            <a:ext cx="7924800" cy="6581775"/>
           </a:xfrm>
           <a:prstGeom prst="rect">
             <a:avLst/>
@@ -3201,56 +3205,10 @@
           </a:extLst>
         </p:spPr>
       </p:pic>
-      <p:sp>
-        <p:nvSpPr>
-          <p:cNvPr id="4" name="Oval 3"/>
-          <p:cNvSpPr/>
-          <p:nvPr/>
-        </p:nvSpPr>
-        <p:spPr>
-          <a:xfrm>
-            <a:off x="2286000" y="3962400"/>
-            <a:ext cx="2286000" cy="533400"/>
-          </a:xfrm>
-          <a:prstGeom prst="ellipse">
-            <a:avLst/>
-          </a:prstGeom>
-          <a:noFill/>
-          <a:ln>
-            <a:solidFill>
-              <a:srgbClr val="C00000"/>
-            </a:solidFill>
-          </a:ln>
-        </p:spPr>
-        <p:style>
-          <a:lnRef idx="2">
-            <a:schemeClr val="accent1">
-              <a:shade val="50000"/>
-            </a:schemeClr>
-          </a:lnRef>
-          <a:fillRef idx="1">
-            <a:schemeClr val="accent1"/>
-          </a:fillRef>
-          <a:effectRef idx="0">
-            <a:schemeClr val="accent1"/>
-          </a:effectRef>
-          <a:fontRef idx="minor">
-            <a:schemeClr val="lt1"/>
-          </a:fontRef>
-        </p:style>
-        <p:txBody>
-          <a:bodyPr rtlCol="0" anchor="ctr"/>
-          <a:lstStyle/>
-          <a:p>
-            <a:pPr algn="ctr"/>
-            <a:endParaRPr lang="ko-KR" altLang="en-US"/>
-          </a:p>
-        </p:txBody>
-      </p:sp>
     </p:spTree>
     <p:extLst>
       <p:ext uri="{BB962C8B-B14F-4D97-AF65-F5344CB8AC3E}">
-        <p14:creationId xmlns:p14="http://schemas.microsoft.com/office/powerpoint/2010/main" val="3878776854"/>
+        <p14:creationId xmlns:p14="http://schemas.microsoft.com/office/powerpoint/2010/main" val="1008894072"/>
       </p:ext>
     </p:extLst>
   </p:cSld>
@@ -3300,8 +3258,8 @@
         </p:blipFill>
         <p:spPr bwMode="auto">
           <a:xfrm>
-            <a:off x="2071688" y="1047750"/>
-            <a:ext cx="5000625" cy="4762500"/>
+            <a:off x="609600" y="138113"/>
+            <a:ext cx="7924800" cy="6581775"/>
           </a:xfrm>
           <a:prstGeom prst="rect">
             <a:avLst/>
@@ -3334,7 +3292,7 @@
     </p:spTree>
     <p:extLst>
       <p:ext uri="{BB962C8B-B14F-4D97-AF65-F5344CB8AC3E}">
-        <p14:creationId xmlns:p14="http://schemas.microsoft.com/office/powerpoint/2010/main" val="3584625859"/>
+        <p14:creationId xmlns:p14="http://schemas.microsoft.com/office/powerpoint/2010/main" val="3155348433"/>
       </p:ext>
     </p:extLst>
   </p:cSld>
@@ -3345,6 +3303,136 @@
 </file>
 
 <file path=ppt/slides/slide4.xml><?xml version="1.0" encoding="utf-8"?>
+<p:sld xmlns:a="http://schemas.openxmlformats.org/drawingml/2006/main" xmlns:r="http://schemas.openxmlformats.org/officeDocument/2006/relationships" xmlns:p="http://schemas.openxmlformats.org/presentationml/2006/main">
+  <p:cSld>
+    <p:spTree>
+      <p:nvGrpSpPr>
+        <p:cNvPr id="1" name=""/>
+        <p:cNvGrpSpPr/>
+        <p:nvPr/>
+      </p:nvGrpSpPr>
+      <p:grpSpPr>
+        <a:xfrm>
+          <a:off x="0" y="0"/>
+          <a:ext cx="0" cy="0"/>
+          <a:chOff x="0" y="0"/>
+          <a:chExt cx="0" cy="0"/>
+        </a:xfrm>
+      </p:grpSpPr>
+      <p:pic>
+        <p:nvPicPr>
+          <p:cNvPr id="1027" name="Picture 3"/>
+          <p:cNvPicPr>
+            <a:picLocks noChangeAspect="1" noChangeArrowheads="1"/>
+          </p:cNvPicPr>
+          <p:nvPr/>
+        </p:nvPicPr>
+        <p:blipFill>
+          <a:blip r:embed="rId2">
+            <a:extLst>
+              <a:ext uri="{28A0092B-C50C-407E-A947-70E740481C1C}">
+                <a14:useLocalDpi xmlns:a14="http://schemas.microsoft.com/office/drawing/2010/main" val="0"/>
+              </a:ext>
+            </a:extLst>
+          </a:blip>
+          <a:srcRect/>
+          <a:stretch>
+            <a:fillRect/>
+          </a:stretch>
+        </p:blipFill>
+        <p:spPr bwMode="auto">
+          <a:xfrm>
+            <a:off x="2071688" y="1047750"/>
+            <a:ext cx="5000625" cy="4762500"/>
+          </a:xfrm>
+          <a:prstGeom prst="rect">
+            <a:avLst/>
+          </a:prstGeom>
+          <a:noFill/>
+          <a:ln>
+            <a:noFill/>
+          </a:ln>
+          <a:extLst>
+            <a:ext uri="{909E8E84-426E-40DD-AFC4-6F175D3DCCD1}">
+              <a14:hiddenFill xmlns:a14="http://schemas.microsoft.com/office/drawing/2010/main">
+                <a:solidFill>
+                  <a:schemeClr val="accent1"/>
+                </a:solidFill>
+              </a14:hiddenFill>
+            </a:ext>
+            <a:ext uri="{91240B29-F687-4F45-9708-019B960494DF}">
+              <a14:hiddenLine xmlns:a14="http://schemas.microsoft.com/office/drawing/2010/main" w="9525">
+                <a:solidFill>
+                  <a:schemeClr val="tx1"/>
+                </a:solidFill>
+                <a:miter lim="800000"/>
+                <a:headEnd/>
+                <a:tailEnd/>
+              </a14:hiddenLine>
+            </a:ext>
+          </a:extLst>
+        </p:spPr>
+      </p:pic>
+      <p:sp>
+        <p:nvSpPr>
+          <p:cNvPr id="4" name="Oval 3"/>
+          <p:cNvSpPr/>
+          <p:nvPr/>
+        </p:nvSpPr>
+        <p:spPr>
+          <a:xfrm>
+            <a:off x="2286000" y="3962400"/>
+            <a:ext cx="2286000" cy="533400"/>
+          </a:xfrm>
+          <a:prstGeom prst="ellipse">
+            <a:avLst/>
+          </a:prstGeom>
+          <a:noFill/>
+          <a:ln>
+            <a:solidFill>
+              <a:srgbClr val="C00000"/>
+            </a:solidFill>
+          </a:ln>
+        </p:spPr>
+        <p:style>
+          <a:lnRef idx="2">
+            <a:schemeClr val="accent1">
+              <a:shade val="50000"/>
+            </a:schemeClr>
+          </a:lnRef>
+          <a:fillRef idx="1">
+            <a:schemeClr val="accent1"/>
+          </a:fillRef>
+          <a:effectRef idx="0">
+            <a:schemeClr val="accent1"/>
+          </a:effectRef>
+          <a:fontRef idx="minor">
+            <a:schemeClr val="lt1"/>
+          </a:fontRef>
+        </p:style>
+        <p:txBody>
+          <a:bodyPr rtlCol="0" anchor="ctr"/>
+          <a:lstStyle/>
+          <a:p>
+            <a:pPr algn="ctr"/>
+            <a:endParaRPr lang="ko-KR" altLang="en-US"/>
+          </a:p>
+        </p:txBody>
+      </p:sp>
+    </p:spTree>
+    <p:extLst>
+      <p:ext uri="{BB962C8B-B14F-4D97-AF65-F5344CB8AC3E}">
+        <p14:creationId xmlns:p14="http://schemas.microsoft.com/office/powerpoint/2010/main" val="3878776854"/>
+      </p:ext>
+    </p:extLst>
+  </p:cSld>
+  <p:clrMapOvr>
+    <a:masterClrMapping/>
+  </p:clrMapOvr>
+</p:sld>
+</file>
+
+<file path=ppt/slides/slide5.xml><?xml version="1.0" encoding="utf-8"?>
 <p:sld xmlns:a="http://schemas.openxmlformats.org/drawingml/2006/main" xmlns:r="http://schemas.openxmlformats.org/officeDocument/2006/relationships" xmlns:p="http://schemas.openxmlformats.org/presentationml/2006/main">
   <p:cSld>
     <p:spTree>
@@ -3384,8 +3472,8 @@
         </p:blipFill>
         <p:spPr bwMode="auto">
           <a:xfrm>
-            <a:off x="27122" y="990600"/>
-            <a:ext cx="8803681" cy="4952977"/>
+            <a:off x="2071688" y="1047750"/>
+            <a:ext cx="5000625" cy="4762500"/>
           </a:xfrm>
           <a:prstGeom prst="rect">
             <a:avLst/>
@@ -3415,466 +3503,10 @@
           </a:extLst>
         </p:spPr>
       </p:pic>
-      <p:sp>
-        <p:nvSpPr>
-          <p:cNvPr id="4" name="Oval 3"/>
-          <p:cNvSpPr/>
-          <p:nvPr/>
-        </p:nvSpPr>
-        <p:spPr>
-          <a:xfrm>
-            <a:off x="152400" y="1905000"/>
-            <a:ext cx="1219200" cy="311258"/>
-          </a:xfrm>
-          <a:prstGeom prst="ellipse">
-            <a:avLst/>
-          </a:prstGeom>
-          <a:noFill/>
-          <a:ln>
-            <a:solidFill>
-              <a:srgbClr val="C00000"/>
-            </a:solidFill>
-          </a:ln>
-        </p:spPr>
-        <p:style>
-          <a:lnRef idx="2">
-            <a:schemeClr val="accent1">
-              <a:shade val="50000"/>
-            </a:schemeClr>
-          </a:lnRef>
-          <a:fillRef idx="1">
-            <a:schemeClr val="accent1"/>
-          </a:fillRef>
-          <a:effectRef idx="0">
-            <a:schemeClr val="accent1"/>
-          </a:effectRef>
-          <a:fontRef idx="minor">
-            <a:schemeClr val="lt1"/>
-          </a:fontRef>
-        </p:style>
-        <p:txBody>
-          <a:bodyPr rtlCol="0" anchor="ctr"/>
-          <a:lstStyle/>
-          <a:p>
-            <a:pPr algn="ctr"/>
-            <a:endParaRPr lang="ko-KR" altLang="en-US"/>
-          </a:p>
-        </p:txBody>
-      </p:sp>
-      <p:sp>
-        <p:nvSpPr>
-          <p:cNvPr id="6" name="Oval 5"/>
-          <p:cNvSpPr/>
-          <p:nvPr/>
-        </p:nvSpPr>
-        <p:spPr>
-          <a:xfrm>
-            <a:off x="7876366" y="1332853"/>
-            <a:ext cx="990600" cy="313841"/>
-          </a:xfrm>
-          <a:prstGeom prst="ellipse">
-            <a:avLst/>
-          </a:prstGeom>
-          <a:noFill/>
-          <a:ln>
-            <a:solidFill>
-              <a:srgbClr val="C00000"/>
-            </a:solidFill>
-          </a:ln>
-        </p:spPr>
-        <p:style>
-          <a:lnRef idx="2">
-            <a:schemeClr val="accent1">
-              <a:shade val="50000"/>
-            </a:schemeClr>
-          </a:lnRef>
-          <a:fillRef idx="1">
-            <a:schemeClr val="accent1"/>
-          </a:fillRef>
-          <a:effectRef idx="0">
-            <a:schemeClr val="accent1"/>
-          </a:effectRef>
-          <a:fontRef idx="minor">
-            <a:schemeClr val="lt1"/>
-          </a:fontRef>
-        </p:style>
-        <p:txBody>
-          <a:bodyPr rtlCol="0" anchor="ctr"/>
-          <a:lstStyle/>
-          <a:p>
-            <a:pPr algn="ctr"/>
-            <a:endParaRPr lang="ko-KR" altLang="en-US"/>
-          </a:p>
-        </p:txBody>
-      </p:sp>
-      <p:sp>
-        <p:nvSpPr>
-          <p:cNvPr id="7" name="Oval 6"/>
-          <p:cNvSpPr/>
-          <p:nvPr/>
-        </p:nvSpPr>
-        <p:spPr>
-          <a:xfrm>
-            <a:off x="7253850" y="1578243"/>
-            <a:ext cx="990600" cy="313841"/>
-          </a:xfrm>
-          <a:prstGeom prst="ellipse">
-            <a:avLst/>
-          </a:prstGeom>
-          <a:noFill/>
-          <a:ln>
-            <a:solidFill>
-              <a:srgbClr val="C00000"/>
-            </a:solidFill>
-          </a:ln>
-        </p:spPr>
-        <p:style>
-          <a:lnRef idx="2">
-            <a:schemeClr val="accent1">
-              <a:shade val="50000"/>
-            </a:schemeClr>
-          </a:lnRef>
-          <a:fillRef idx="1">
-            <a:schemeClr val="accent1"/>
-          </a:fillRef>
-          <a:effectRef idx="0">
-            <a:schemeClr val="accent1"/>
-          </a:effectRef>
-          <a:fontRef idx="minor">
-            <a:schemeClr val="lt1"/>
-          </a:fontRef>
-        </p:style>
-        <p:txBody>
-          <a:bodyPr rtlCol="0" anchor="ctr"/>
-          <a:lstStyle/>
-          <a:p>
-            <a:pPr algn="ctr"/>
-            <a:endParaRPr lang="ko-KR" altLang="en-US"/>
-          </a:p>
-        </p:txBody>
-      </p:sp>
-      <p:sp>
-        <p:nvSpPr>
-          <p:cNvPr id="5" name="Rectangle 4"/>
-          <p:cNvSpPr/>
-          <p:nvPr/>
-        </p:nvSpPr>
-        <p:spPr>
-          <a:xfrm>
-            <a:off x="762000" y="2590800"/>
-            <a:ext cx="1219200" cy="381000"/>
-          </a:xfrm>
-          <a:prstGeom prst="rect">
-            <a:avLst/>
-          </a:prstGeom>
-          <a:solidFill>
-            <a:srgbClr val="C00000"/>
-          </a:solidFill>
-          <a:ln>
-            <a:noFill/>
-          </a:ln>
-        </p:spPr>
-        <p:style>
-          <a:lnRef idx="2">
-            <a:schemeClr val="accent1">
-              <a:shade val="50000"/>
-            </a:schemeClr>
-          </a:lnRef>
-          <a:fillRef idx="1">
-            <a:schemeClr val="accent1"/>
-          </a:fillRef>
-          <a:effectRef idx="0">
-            <a:schemeClr val="accent1"/>
-          </a:effectRef>
-          <a:fontRef idx="minor">
-            <a:schemeClr val="lt1"/>
-          </a:fontRef>
-        </p:style>
-        <p:txBody>
-          <a:bodyPr rtlCol="0" anchor="ctr"/>
-          <a:lstStyle/>
-          <a:p>
-            <a:pPr algn="ctr"/>
-            <a:r>
-              <a:rPr lang="en-US" altLang="ko-KR" sz="1400" b="1" dirty="0">
-                <a:solidFill>
-                  <a:schemeClr val="bg1"/>
-                </a:solidFill>
-              </a:rPr>
-              <a:t>d</a:t>
-            </a:r>
-            <a:r>
-              <a:rPr lang="en-US" altLang="ko-KR" sz="1400" b="1" dirty="0" smtClean="0">
-                <a:solidFill>
-                  <a:schemeClr val="bg1"/>
-                </a:solidFill>
-              </a:rPr>
-              <a:t>ecompiled project</a:t>
-            </a:r>
-            <a:endParaRPr lang="ko-KR" altLang="en-US" sz="1400" b="1" dirty="0">
-              <a:solidFill>
-                <a:schemeClr val="bg1"/>
-              </a:solidFill>
-            </a:endParaRPr>
-          </a:p>
-        </p:txBody>
-      </p:sp>
-      <p:cxnSp>
-        <p:nvCxnSpPr>
-          <p:cNvPr id="9" name="Straight Arrow Connector 8"/>
-          <p:cNvCxnSpPr>
-            <a:stCxn id="5" idx="0"/>
-            <a:endCxn id="4" idx="4"/>
-          </p:cNvCxnSpPr>
-          <p:nvPr/>
-        </p:nvCxnSpPr>
-        <p:spPr>
-          <a:xfrm flipH="1" flipV="1">
-            <a:off x="762000" y="2216258"/>
-            <a:ext cx="609600" cy="374542"/>
-          </a:xfrm>
-          <a:prstGeom prst="straightConnector1">
-            <a:avLst/>
-          </a:prstGeom>
-          <a:ln w="12700">
-            <a:solidFill>
-              <a:srgbClr val="C00000"/>
-            </a:solidFill>
-            <a:tailEnd type="arrow"/>
-          </a:ln>
-        </p:spPr>
-        <p:style>
-          <a:lnRef idx="1">
-            <a:schemeClr val="accent1"/>
-          </a:lnRef>
-          <a:fillRef idx="0">
-            <a:schemeClr val="accent1"/>
-          </a:fillRef>
-          <a:effectRef idx="0">
-            <a:schemeClr val="accent1"/>
-          </a:effectRef>
-          <a:fontRef idx="minor">
-            <a:schemeClr val="tx1"/>
-          </a:fontRef>
-        </p:style>
-      </p:cxnSp>
-      <p:sp>
-        <p:nvSpPr>
-          <p:cNvPr id="11" name="Rectangle 10"/>
-          <p:cNvSpPr/>
-          <p:nvPr/>
-        </p:nvSpPr>
-        <p:spPr>
-          <a:xfrm>
-            <a:off x="6019800" y="2209800"/>
-            <a:ext cx="1371600" cy="381000"/>
-          </a:xfrm>
-          <a:prstGeom prst="rect">
-            <a:avLst/>
-          </a:prstGeom>
-          <a:solidFill>
-            <a:srgbClr val="C00000"/>
-          </a:solidFill>
-          <a:ln>
-            <a:noFill/>
-          </a:ln>
-        </p:spPr>
-        <p:style>
-          <a:lnRef idx="2">
-            <a:schemeClr val="accent1">
-              <a:shade val="50000"/>
-            </a:schemeClr>
-          </a:lnRef>
-          <a:fillRef idx="1">
-            <a:schemeClr val="accent1"/>
-          </a:fillRef>
-          <a:effectRef idx="0">
-            <a:schemeClr val="accent1"/>
-          </a:effectRef>
-          <a:fontRef idx="minor">
-            <a:schemeClr val="lt1"/>
-          </a:fontRef>
-        </p:style>
-        <p:txBody>
-          <a:bodyPr rtlCol="0" anchor="ctr"/>
-          <a:lstStyle/>
-          <a:p>
-            <a:pPr algn="ctr"/>
-            <a:r>
-              <a:rPr lang="en-US" altLang="ko-KR" sz="1400" b="1" dirty="0" smtClean="0">
-                <a:solidFill>
-                  <a:schemeClr val="bg1"/>
-                </a:solidFill>
-              </a:rPr>
-              <a:t>view w/ results:</a:t>
-            </a:r>
-          </a:p>
-          <a:p>
-            <a:pPr algn="ctr"/>
-            <a:r>
-              <a:rPr lang="en-US" altLang="ko-KR" sz="1400" b="1" dirty="0">
-                <a:solidFill>
-                  <a:schemeClr val="bg1"/>
-                </a:solidFill>
-              </a:rPr>
-              <a:t>s</a:t>
-            </a:r>
-            <a:r>
-              <a:rPr lang="en-US" altLang="ko-KR" sz="1400" b="1" dirty="0" smtClean="0">
-                <a:solidFill>
-                  <a:schemeClr val="bg1"/>
-                </a:solidFill>
-              </a:rPr>
-              <a:t>ources/sinks</a:t>
-            </a:r>
-            <a:endParaRPr lang="ko-KR" altLang="en-US" sz="1400" b="1" dirty="0">
-              <a:solidFill>
-                <a:schemeClr val="bg1"/>
-              </a:solidFill>
-            </a:endParaRPr>
-          </a:p>
-        </p:txBody>
-      </p:sp>
-      <p:cxnSp>
-        <p:nvCxnSpPr>
-          <p:cNvPr id="12" name="Straight Arrow Connector 11"/>
-          <p:cNvCxnSpPr>
-            <a:stCxn id="11" idx="0"/>
-            <a:endCxn id="7" idx="3"/>
-          </p:cNvCxnSpPr>
-          <p:nvPr/>
-        </p:nvCxnSpPr>
-        <p:spPr>
-          <a:xfrm flipV="1">
-            <a:off x="6705600" y="1846123"/>
-            <a:ext cx="693320" cy="363677"/>
-          </a:xfrm>
-          <a:prstGeom prst="straightConnector1">
-            <a:avLst/>
-          </a:prstGeom>
-          <a:ln w="12700">
-            <a:solidFill>
-              <a:srgbClr val="C00000"/>
-            </a:solidFill>
-            <a:tailEnd type="arrow"/>
-          </a:ln>
-        </p:spPr>
-        <p:style>
-          <a:lnRef idx="1">
-            <a:schemeClr val="accent1"/>
-          </a:lnRef>
-          <a:fillRef idx="0">
-            <a:schemeClr val="accent1"/>
-          </a:fillRef>
-          <a:effectRef idx="0">
-            <a:schemeClr val="accent1"/>
-          </a:effectRef>
-          <a:fontRef idx="minor">
-            <a:schemeClr val="tx1"/>
-          </a:fontRef>
-        </p:style>
-      </p:cxnSp>
-      <p:sp>
-        <p:nvSpPr>
-          <p:cNvPr id="15" name="Rectangle 14"/>
-          <p:cNvSpPr/>
-          <p:nvPr/>
-        </p:nvSpPr>
-        <p:spPr>
-          <a:xfrm>
-            <a:off x="7543800" y="2057400"/>
-            <a:ext cx="1066800" cy="381000"/>
-          </a:xfrm>
-          <a:prstGeom prst="rect">
-            <a:avLst/>
-          </a:prstGeom>
-          <a:solidFill>
-            <a:srgbClr val="C00000"/>
-          </a:solidFill>
-          <a:ln>
-            <a:noFill/>
-          </a:ln>
-        </p:spPr>
-        <p:style>
-          <a:lnRef idx="2">
-            <a:schemeClr val="accent1">
-              <a:shade val="50000"/>
-            </a:schemeClr>
-          </a:lnRef>
-          <a:fillRef idx="1">
-            <a:schemeClr val="accent1"/>
-          </a:fillRef>
-          <a:effectRef idx="0">
-            <a:schemeClr val="accent1"/>
-          </a:effectRef>
-          <a:fontRef idx="minor">
-            <a:schemeClr val="lt1"/>
-          </a:fontRef>
-        </p:style>
-        <p:txBody>
-          <a:bodyPr rtlCol="0" anchor="ctr"/>
-          <a:lstStyle/>
-          <a:p>
-            <a:pPr algn="ctr"/>
-            <a:r>
-              <a:rPr lang="en-US" altLang="ko-KR" sz="1400" b="1" dirty="0" smtClean="0">
-                <a:solidFill>
-                  <a:schemeClr val="bg1"/>
-                </a:solidFill>
-              </a:rPr>
-              <a:t>custom perspective</a:t>
-            </a:r>
-            <a:endParaRPr lang="ko-KR" altLang="en-US" sz="1400" b="1" dirty="0">
-              <a:solidFill>
-                <a:schemeClr val="bg1"/>
-              </a:solidFill>
-            </a:endParaRPr>
-          </a:p>
-        </p:txBody>
-      </p:sp>
-      <p:cxnSp>
-        <p:nvCxnSpPr>
-          <p:cNvPr id="16" name="Straight Arrow Connector 15"/>
-          <p:cNvCxnSpPr>
-            <a:stCxn id="15" idx="0"/>
-            <a:endCxn id="6" idx="4"/>
-          </p:cNvCxnSpPr>
-          <p:nvPr/>
-        </p:nvCxnSpPr>
-        <p:spPr>
-          <a:xfrm flipV="1">
-            <a:off x="8077200" y="1646694"/>
-            <a:ext cx="294466" cy="410706"/>
-          </a:xfrm>
-          <a:prstGeom prst="straightConnector1">
-            <a:avLst/>
-          </a:prstGeom>
-          <a:ln w="12700">
-            <a:solidFill>
-              <a:srgbClr val="C00000"/>
-            </a:solidFill>
-            <a:tailEnd type="arrow"/>
-          </a:ln>
-        </p:spPr>
-        <p:style>
-          <a:lnRef idx="1">
-            <a:schemeClr val="accent1"/>
-          </a:lnRef>
-          <a:fillRef idx="0">
-            <a:schemeClr val="accent1"/>
-          </a:fillRef>
-          <a:effectRef idx="0">
-            <a:schemeClr val="accent1"/>
-          </a:effectRef>
-          <a:fontRef idx="minor">
-            <a:schemeClr val="tx1"/>
-          </a:fontRef>
-        </p:style>
-      </p:cxnSp>
     </p:spTree>
     <p:extLst>
       <p:ext uri="{BB962C8B-B14F-4D97-AF65-F5344CB8AC3E}">
-        <p14:creationId xmlns:p14="http://schemas.microsoft.com/office/powerpoint/2010/main" val="1619770224"/>
+        <p14:creationId xmlns:p14="http://schemas.microsoft.com/office/powerpoint/2010/main" val="3584625859"/>
       </p:ext>
     </p:extLst>
   </p:cSld>
@@ -3884,7 +3516,91 @@
 </p:sld>
 </file>
 
-<file path=ppt/slides/slide5.xml><?xml version="1.0" encoding="utf-8"?>
+<file path=ppt/slides/slide6.xml><?xml version="1.0" encoding="utf-8"?>
+<p:sld xmlns:a="http://schemas.openxmlformats.org/drawingml/2006/main" xmlns:r="http://schemas.openxmlformats.org/officeDocument/2006/relationships" xmlns:p="http://schemas.openxmlformats.org/presentationml/2006/main">
+  <p:cSld>
+    <p:spTree>
+      <p:nvGrpSpPr>
+        <p:cNvPr id="1" name=""/>
+        <p:cNvGrpSpPr/>
+        <p:nvPr/>
+      </p:nvGrpSpPr>
+      <p:grpSpPr>
+        <a:xfrm>
+          <a:off x="0" y="0"/>
+          <a:ext cx="0" cy="0"/>
+          <a:chOff x="0" y="0"/>
+          <a:chExt cx="0" cy="0"/>
+        </a:xfrm>
+      </p:grpSpPr>
+      <p:pic>
+        <p:nvPicPr>
+          <p:cNvPr id="5122" name="Picture 2"/>
+          <p:cNvPicPr>
+            <a:picLocks noChangeAspect="1" noChangeArrowheads="1"/>
+          </p:cNvPicPr>
+          <p:nvPr/>
+        </p:nvPicPr>
+        <p:blipFill>
+          <a:blip r:embed="rId2">
+            <a:extLst>
+              <a:ext uri="{28A0092B-C50C-407E-A947-70E740481C1C}">
+                <a14:useLocalDpi xmlns:a14="http://schemas.microsoft.com/office/drawing/2010/main" val="0"/>
+              </a:ext>
+            </a:extLst>
+          </a:blip>
+          <a:srcRect/>
+          <a:stretch>
+            <a:fillRect/>
+          </a:stretch>
+        </p:blipFill>
+        <p:spPr bwMode="auto">
+          <a:xfrm>
+            <a:off x="228600" y="1371600"/>
+            <a:ext cx="8805600" cy="4696751"/>
+          </a:xfrm>
+          <a:prstGeom prst="rect">
+            <a:avLst/>
+          </a:prstGeom>
+          <a:noFill/>
+          <a:ln>
+            <a:noFill/>
+          </a:ln>
+          <a:extLst>
+            <a:ext uri="{909E8E84-426E-40DD-AFC4-6F175D3DCCD1}">
+              <a14:hiddenFill xmlns:a14="http://schemas.microsoft.com/office/drawing/2010/main">
+                <a:solidFill>
+                  <a:schemeClr val="accent1"/>
+                </a:solidFill>
+              </a14:hiddenFill>
+            </a:ext>
+            <a:ext uri="{91240B29-F687-4F45-9708-019B960494DF}">
+              <a14:hiddenLine xmlns:a14="http://schemas.microsoft.com/office/drawing/2010/main" w="9525">
+                <a:solidFill>
+                  <a:schemeClr val="tx1"/>
+                </a:solidFill>
+                <a:miter lim="800000"/>
+                <a:headEnd/>
+                <a:tailEnd/>
+              </a14:hiddenLine>
+            </a:ext>
+          </a:extLst>
+        </p:spPr>
+      </p:pic>
+    </p:spTree>
+    <p:extLst>
+      <p:ext uri="{BB962C8B-B14F-4D97-AF65-F5344CB8AC3E}">
+        <p14:creationId xmlns:p14="http://schemas.microsoft.com/office/powerpoint/2010/main" val="1707103245"/>
+      </p:ext>
+    </p:extLst>
+  </p:cSld>
+  <p:clrMapOvr>
+    <a:masterClrMapping/>
+  </p:clrMapOvr>
+</p:sld>
+</file>
+
+<file path=ppt/slides/slide7.xml><?xml version="1.0" encoding="utf-8"?>
 <p:sld xmlns:a="http://schemas.openxmlformats.org/drawingml/2006/main" xmlns:r="http://schemas.openxmlformats.org/officeDocument/2006/relationships" xmlns:p="http://schemas.openxmlformats.org/presentationml/2006/main">
   <p:cSld>
     <p:spTree>
@@ -3924,8 +3640,8 @@
         </p:blipFill>
         <p:spPr bwMode="auto">
           <a:xfrm>
-            <a:off x="0" y="1066800"/>
-            <a:ext cx="8896839" cy="5005388"/>
+            <a:off x="228600" y="990600"/>
+            <a:ext cx="8805600" cy="4709672"/>
           </a:xfrm>
           <a:prstGeom prst="rect">
             <a:avLst/>
@@ -3955,6 +3671,930 @@
           </a:extLst>
         </p:spPr>
       </p:pic>
+    </p:spTree>
+    <p:extLst>
+      <p:ext uri="{BB962C8B-B14F-4D97-AF65-F5344CB8AC3E}">
+        <p14:creationId xmlns:p14="http://schemas.microsoft.com/office/powerpoint/2010/main" val="487908868"/>
+      </p:ext>
+    </p:extLst>
+  </p:cSld>
+  <p:clrMapOvr>
+    <a:masterClrMapping/>
+  </p:clrMapOvr>
+</p:sld>
+</file>
+
+<file path=ppt/slides/slide8.xml><?xml version="1.0" encoding="utf-8"?>
+<p:sld xmlns:a="http://schemas.openxmlformats.org/drawingml/2006/main" xmlns:r="http://schemas.openxmlformats.org/officeDocument/2006/relationships" xmlns:p="http://schemas.openxmlformats.org/presentationml/2006/main">
+  <p:cSld>
+    <p:spTree>
+      <p:nvGrpSpPr>
+        <p:cNvPr id="1" name=""/>
+        <p:cNvGrpSpPr/>
+        <p:nvPr/>
+      </p:nvGrpSpPr>
+      <p:grpSpPr>
+        <a:xfrm>
+          <a:off x="0" y="0"/>
+          <a:ext cx="0" cy="0"/>
+          <a:chOff x="0" y="0"/>
+          <a:chExt cx="0" cy="0"/>
+        </a:xfrm>
+      </p:grpSpPr>
+      <p:pic>
+        <p:nvPicPr>
+          <p:cNvPr id="6146" name="Picture 2"/>
+          <p:cNvPicPr>
+            <a:picLocks noChangeAspect="1" noChangeArrowheads="1"/>
+          </p:cNvPicPr>
+          <p:nvPr/>
+        </p:nvPicPr>
+        <p:blipFill>
+          <a:blip r:embed="rId2">
+            <a:extLst>
+              <a:ext uri="{28A0092B-C50C-407E-A947-70E740481C1C}">
+                <a14:useLocalDpi xmlns:a14="http://schemas.microsoft.com/office/drawing/2010/main" val="0"/>
+              </a:ext>
+            </a:extLst>
+          </a:blip>
+          <a:srcRect/>
+          <a:stretch>
+            <a:fillRect/>
+          </a:stretch>
+        </p:blipFill>
+        <p:spPr bwMode="auto">
+          <a:xfrm>
+            <a:off x="27122" y="1022118"/>
+            <a:ext cx="8805600" cy="4692882"/>
+          </a:xfrm>
+          <a:prstGeom prst="rect">
+            <a:avLst/>
+          </a:prstGeom>
+          <a:noFill/>
+          <a:ln>
+            <a:noFill/>
+          </a:ln>
+          <a:extLst>
+            <a:ext uri="{909E8E84-426E-40DD-AFC4-6F175D3DCCD1}">
+              <a14:hiddenFill xmlns:a14="http://schemas.microsoft.com/office/drawing/2010/main">
+                <a:solidFill>
+                  <a:schemeClr val="accent1"/>
+                </a:solidFill>
+              </a14:hiddenFill>
+            </a:ext>
+            <a:ext uri="{91240B29-F687-4F45-9708-019B960494DF}">
+              <a14:hiddenLine xmlns:a14="http://schemas.microsoft.com/office/drawing/2010/main" w="9525">
+                <a:solidFill>
+                  <a:schemeClr val="tx1"/>
+                </a:solidFill>
+                <a:miter lim="800000"/>
+                <a:headEnd/>
+                <a:tailEnd/>
+              </a14:hiddenLine>
+            </a:ext>
+          </a:extLst>
+        </p:spPr>
+      </p:pic>
+      <p:sp>
+        <p:nvSpPr>
+          <p:cNvPr id="4" name="Oval 3"/>
+          <p:cNvSpPr/>
+          <p:nvPr/>
+        </p:nvSpPr>
+        <p:spPr>
+          <a:xfrm>
+            <a:off x="152400" y="1905000"/>
+            <a:ext cx="1219200" cy="228600"/>
+          </a:xfrm>
+          <a:prstGeom prst="ellipse">
+            <a:avLst/>
+          </a:prstGeom>
+          <a:noFill/>
+          <a:ln>
+            <a:solidFill>
+              <a:srgbClr val="C00000"/>
+            </a:solidFill>
+          </a:ln>
+        </p:spPr>
+        <p:style>
+          <a:lnRef idx="2">
+            <a:schemeClr val="accent1">
+              <a:shade val="50000"/>
+            </a:schemeClr>
+          </a:lnRef>
+          <a:fillRef idx="1">
+            <a:schemeClr val="accent1"/>
+          </a:fillRef>
+          <a:effectRef idx="0">
+            <a:schemeClr val="accent1"/>
+          </a:effectRef>
+          <a:fontRef idx="minor">
+            <a:schemeClr val="lt1"/>
+          </a:fontRef>
+        </p:style>
+        <p:txBody>
+          <a:bodyPr rtlCol="0" anchor="ctr"/>
+          <a:lstStyle/>
+          <a:p>
+            <a:pPr algn="ctr"/>
+            <a:endParaRPr lang="ko-KR" altLang="en-US"/>
+          </a:p>
+        </p:txBody>
+      </p:sp>
+      <p:sp>
+        <p:nvSpPr>
+          <p:cNvPr id="6" name="Oval 5"/>
+          <p:cNvSpPr/>
+          <p:nvPr/>
+        </p:nvSpPr>
+        <p:spPr>
+          <a:xfrm>
+            <a:off x="7876366" y="1332853"/>
+            <a:ext cx="990600" cy="313841"/>
+          </a:xfrm>
+          <a:prstGeom prst="ellipse">
+            <a:avLst/>
+          </a:prstGeom>
+          <a:noFill/>
+          <a:ln>
+            <a:solidFill>
+              <a:srgbClr val="C00000"/>
+            </a:solidFill>
+          </a:ln>
+        </p:spPr>
+        <p:style>
+          <a:lnRef idx="2">
+            <a:schemeClr val="accent1">
+              <a:shade val="50000"/>
+            </a:schemeClr>
+          </a:lnRef>
+          <a:fillRef idx="1">
+            <a:schemeClr val="accent1"/>
+          </a:fillRef>
+          <a:effectRef idx="0">
+            <a:schemeClr val="accent1"/>
+          </a:effectRef>
+          <a:fontRef idx="minor">
+            <a:schemeClr val="lt1"/>
+          </a:fontRef>
+        </p:style>
+        <p:txBody>
+          <a:bodyPr rtlCol="0" anchor="ctr"/>
+          <a:lstStyle/>
+          <a:p>
+            <a:pPr algn="ctr"/>
+            <a:endParaRPr lang="ko-KR" altLang="en-US"/>
+          </a:p>
+        </p:txBody>
+      </p:sp>
+      <p:sp>
+        <p:nvSpPr>
+          <p:cNvPr id="7" name="Oval 6"/>
+          <p:cNvSpPr/>
+          <p:nvPr/>
+        </p:nvSpPr>
+        <p:spPr>
+          <a:xfrm>
+            <a:off x="7253850" y="1578243"/>
+            <a:ext cx="990600" cy="313841"/>
+          </a:xfrm>
+          <a:prstGeom prst="ellipse">
+            <a:avLst/>
+          </a:prstGeom>
+          <a:noFill/>
+          <a:ln>
+            <a:solidFill>
+              <a:srgbClr val="C00000"/>
+            </a:solidFill>
+          </a:ln>
+        </p:spPr>
+        <p:style>
+          <a:lnRef idx="2">
+            <a:schemeClr val="accent1">
+              <a:shade val="50000"/>
+            </a:schemeClr>
+          </a:lnRef>
+          <a:fillRef idx="1">
+            <a:schemeClr val="accent1"/>
+          </a:fillRef>
+          <a:effectRef idx="0">
+            <a:schemeClr val="accent1"/>
+          </a:effectRef>
+          <a:fontRef idx="minor">
+            <a:schemeClr val="lt1"/>
+          </a:fontRef>
+        </p:style>
+        <p:txBody>
+          <a:bodyPr rtlCol="0" anchor="ctr"/>
+          <a:lstStyle/>
+          <a:p>
+            <a:pPr algn="ctr"/>
+            <a:endParaRPr lang="ko-KR" altLang="en-US"/>
+          </a:p>
+        </p:txBody>
+      </p:sp>
+      <p:sp>
+        <p:nvSpPr>
+          <p:cNvPr id="5" name="Rectangle 4"/>
+          <p:cNvSpPr/>
+          <p:nvPr/>
+        </p:nvSpPr>
+        <p:spPr>
+          <a:xfrm>
+            <a:off x="762000" y="2590800"/>
+            <a:ext cx="1219200" cy="381000"/>
+          </a:xfrm>
+          <a:prstGeom prst="rect">
+            <a:avLst/>
+          </a:prstGeom>
+          <a:solidFill>
+            <a:srgbClr val="C00000"/>
+          </a:solidFill>
+          <a:ln>
+            <a:noFill/>
+          </a:ln>
+        </p:spPr>
+        <p:style>
+          <a:lnRef idx="2">
+            <a:schemeClr val="accent1">
+              <a:shade val="50000"/>
+            </a:schemeClr>
+          </a:lnRef>
+          <a:fillRef idx="1">
+            <a:schemeClr val="accent1"/>
+          </a:fillRef>
+          <a:effectRef idx="0">
+            <a:schemeClr val="accent1"/>
+          </a:effectRef>
+          <a:fontRef idx="minor">
+            <a:schemeClr val="lt1"/>
+          </a:fontRef>
+        </p:style>
+        <p:txBody>
+          <a:bodyPr rtlCol="0" anchor="ctr"/>
+          <a:lstStyle/>
+          <a:p>
+            <a:pPr algn="ctr"/>
+            <a:r>
+              <a:rPr lang="en-US" altLang="ko-KR" sz="1400" b="1" dirty="0">
+                <a:solidFill>
+                  <a:schemeClr val="bg1"/>
+                </a:solidFill>
+              </a:rPr>
+              <a:t>d</a:t>
+            </a:r>
+            <a:r>
+              <a:rPr lang="en-US" altLang="ko-KR" sz="1400" b="1" dirty="0" smtClean="0">
+                <a:solidFill>
+                  <a:schemeClr val="bg1"/>
+                </a:solidFill>
+              </a:rPr>
+              <a:t>ecompiled project</a:t>
+            </a:r>
+            <a:endParaRPr lang="ko-KR" altLang="en-US" sz="1400" b="1" dirty="0">
+              <a:solidFill>
+                <a:schemeClr val="bg1"/>
+              </a:solidFill>
+            </a:endParaRPr>
+          </a:p>
+        </p:txBody>
+      </p:sp>
+      <p:cxnSp>
+        <p:nvCxnSpPr>
+          <p:cNvPr id="9" name="Straight Arrow Connector 8"/>
+          <p:cNvCxnSpPr>
+            <a:stCxn id="5" idx="0"/>
+            <a:endCxn id="4" idx="4"/>
+          </p:cNvCxnSpPr>
+          <p:nvPr/>
+        </p:nvCxnSpPr>
+        <p:spPr>
+          <a:xfrm flipH="1" flipV="1">
+            <a:off x="762000" y="2133600"/>
+            <a:ext cx="609600" cy="457200"/>
+          </a:xfrm>
+          <a:prstGeom prst="straightConnector1">
+            <a:avLst/>
+          </a:prstGeom>
+          <a:ln w="12700">
+            <a:solidFill>
+              <a:srgbClr val="C00000"/>
+            </a:solidFill>
+            <a:tailEnd type="arrow"/>
+          </a:ln>
+        </p:spPr>
+        <p:style>
+          <a:lnRef idx="1">
+            <a:schemeClr val="accent1"/>
+          </a:lnRef>
+          <a:fillRef idx="0">
+            <a:schemeClr val="accent1"/>
+          </a:fillRef>
+          <a:effectRef idx="0">
+            <a:schemeClr val="accent1"/>
+          </a:effectRef>
+          <a:fontRef idx="minor">
+            <a:schemeClr val="tx1"/>
+          </a:fontRef>
+        </p:style>
+      </p:cxnSp>
+      <p:sp>
+        <p:nvSpPr>
+          <p:cNvPr id="11" name="Rectangle 10"/>
+          <p:cNvSpPr/>
+          <p:nvPr/>
+        </p:nvSpPr>
+        <p:spPr>
+          <a:xfrm>
+            <a:off x="6019800" y="2209800"/>
+            <a:ext cx="1371600" cy="381000"/>
+          </a:xfrm>
+          <a:prstGeom prst="rect">
+            <a:avLst/>
+          </a:prstGeom>
+          <a:solidFill>
+            <a:srgbClr val="C00000"/>
+          </a:solidFill>
+          <a:ln>
+            <a:noFill/>
+          </a:ln>
+        </p:spPr>
+        <p:style>
+          <a:lnRef idx="2">
+            <a:schemeClr val="accent1">
+              <a:shade val="50000"/>
+            </a:schemeClr>
+          </a:lnRef>
+          <a:fillRef idx="1">
+            <a:schemeClr val="accent1"/>
+          </a:fillRef>
+          <a:effectRef idx="0">
+            <a:schemeClr val="accent1"/>
+          </a:effectRef>
+          <a:fontRef idx="minor">
+            <a:schemeClr val="lt1"/>
+          </a:fontRef>
+        </p:style>
+        <p:txBody>
+          <a:bodyPr rtlCol="0" anchor="ctr"/>
+          <a:lstStyle/>
+          <a:p>
+            <a:pPr algn="ctr"/>
+            <a:r>
+              <a:rPr lang="en-US" altLang="ko-KR" sz="1400" b="1" dirty="0" smtClean="0">
+                <a:solidFill>
+                  <a:schemeClr val="bg1"/>
+                </a:solidFill>
+              </a:rPr>
+              <a:t>view w/ results:</a:t>
+            </a:r>
+          </a:p>
+          <a:p>
+            <a:pPr algn="ctr"/>
+            <a:r>
+              <a:rPr lang="en-US" altLang="ko-KR" sz="1400" b="1" dirty="0" smtClean="0">
+                <a:solidFill>
+                  <a:schemeClr val="bg1"/>
+                </a:solidFill>
+              </a:rPr>
+              <a:t>sinks</a:t>
+            </a:r>
+            <a:endParaRPr lang="ko-KR" altLang="en-US" sz="1400" b="1" dirty="0">
+              <a:solidFill>
+                <a:schemeClr val="bg1"/>
+              </a:solidFill>
+            </a:endParaRPr>
+          </a:p>
+        </p:txBody>
+      </p:sp>
+      <p:cxnSp>
+        <p:nvCxnSpPr>
+          <p:cNvPr id="12" name="Straight Arrow Connector 11"/>
+          <p:cNvCxnSpPr>
+            <a:stCxn id="11" idx="0"/>
+            <a:endCxn id="7" idx="3"/>
+          </p:cNvCxnSpPr>
+          <p:nvPr/>
+        </p:nvCxnSpPr>
+        <p:spPr>
+          <a:xfrm flipV="1">
+            <a:off x="6705600" y="1846123"/>
+            <a:ext cx="693320" cy="363677"/>
+          </a:xfrm>
+          <a:prstGeom prst="straightConnector1">
+            <a:avLst/>
+          </a:prstGeom>
+          <a:ln w="12700">
+            <a:solidFill>
+              <a:srgbClr val="C00000"/>
+            </a:solidFill>
+            <a:tailEnd type="arrow"/>
+          </a:ln>
+        </p:spPr>
+        <p:style>
+          <a:lnRef idx="1">
+            <a:schemeClr val="accent1"/>
+          </a:lnRef>
+          <a:fillRef idx="0">
+            <a:schemeClr val="accent1"/>
+          </a:fillRef>
+          <a:effectRef idx="0">
+            <a:schemeClr val="accent1"/>
+          </a:effectRef>
+          <a:fontRef idx="minor">
+            <a:schemeClr val="tx1"/>
+          </a:fontRef>
+        </p:style>
+      </p:cxnSp>
+      <p:sp>
+        <p:nvSpPr>
+          <p:cNvPr id="15" name="Rectangle 14"/>
+          <p:cNvSpPr/>
+          <p:nvPr/>
+        </p:nvSpPr>
+        <p:spPr>
+          <a:xfrm>
+            <a:off x="7543800" y="2057400"/>
+            <a:ext cx="1066800" cy="381000"/>
+          </a:xfrm>
+          <a:prstGeom prst="rect">
+            <a:avLst/>
+          </a:prstGeom>
+          <a:solidFill>
+            <a:srgbClr val="C00000"/>
+          </a:solidFill>
+          <a:ln>
+            <a:noFill/>
+          </a:ln>
+        </p:spPr>
+        <p:style>
+          <a:lnRef idx="2">
+            <a:schemeClr val="accent1">
+              <a:shade val="50000"/>
+            </a:schemeClr>
+          </a:lnRef>
+          <a:fillRef idx="1">
+            <a:schemeClr val="accent1"/>
+          </a:fillRef>
+          <a:effectRef idx="0">
+            <a:schemeClr val="accent1"/>
+          </a:effectRef>
+          <a:fontRef idx="minor">
+            <a:schemeClr val="lt1"/>
+          </a:fontRef>
+        </p:style>
+        <p:txBody>
+          <a:bodyPr rtlCol="0" anchor="ctr"/>
+          <a:lstStyle/>
+          <a:p>
+            <a:pPr algn="ctr"/>
+            <a:r>
+              <a:rPr lang="en-US" altLang="ko-KR" sz="1400" b="1" dirty="0" smtClean="0">
+                <a:solidFill>
+                  <a:schemeClr val="bg1"/>
+                </a:solidFill>
+              </a:rPr>
+              <a:t>custom perspective</a:t>
+            </a:r>
+            <a:endParaRPr lang="ko-KR" altLang="en-US" sz="1400" b="1" dirty="0">
+              <a:solidFill>
+                <a:schemeClr val="bg1"/>
+              </a:solidFill>
+            </a:endParaRPr>
+          </a:p>
+        </p:txBody>
+      </p:sp>
+      <p:cxnSp>
+        <p:nvCxnSpPr>
+          <p:cNvPr id="16" name="Straight Arrow Connector 15"/>
+          <p:cNvCxnSpPr>
+            <a:stCxn id="15" idx="0"/>
+            <a:endCxn id="6" idx="4"/>
+          </p:cNvCxnSpPr>
+          <p:nvPr/>
+        </p:nvCxnSpPr>
+        <p:spPr>
+          <a:xfrm flipV="1">
+            <a:off x="8077200" y="1646694"/>
+            <a:ext cx="294466" cy="410706"/>
+          </a:xfrm>
+          <a:prstGeom prst="straightConnector1">
+            <a:avLst/>
+          </a:prstGeom>
+          <a:ln w="12700">
+            <a:solidFill>
+              <a:srgbClr val="C00000"/>
+            </a:solidFill>
+            <a:tailEnd type="arrow"/>
+          </a:ln>
+        </p:spPr>
+        <p:style>
+          <a:lnRef idx="1">
+            <a:schemeClr val="accent1"/>
+          </a:lnRef>
+          <a:fillRef idx="0">
+            <a:schemeClr val="accent1"/>
+          </a:fillRef>
+          <a:effectRef idx="0">
+            <a:schemeClr val="accent1"/>
+          </a:effectRef>
+          <a:fontRef idx="minor">
+            <a:schemeClr val="tx1"/>
+          </a:fontRef>
+        </p:style>
+      </p:cxnSp>
+      <p:sp>
+        <p:nvSpPr>
+          <p:cNvPr id="14" name="Oval 13"/>
+          <p:cNvSpPr/>
+          <p:nvPr/>
+        </p:nvSpPr>
+        <p:spPr>
+          <a:xfrm>
+            <a:off x="685800" y="1218553"/>
+            <a:ext cx="304800" cy="228600"/>
+          </a:xfrm>
+          <a:prstGeom prst="ellipse">
+            <a:avLst/>
+          </a:prstGeom>
+          <a:noFill/>
+          <a:ln>
+            <a:solidFill>
+              <a:srgbClr val="C00000"/>
+            </a:solidFill>
+          </a:ln>
+        </p:spPr>
+        <p:style>
+          <a:lnRef idx="2">
+            <a:schemeClr val="accent1">
+              <a:shade val="50000"/>
+            </a:schemeClr>
+          </a:lnRef>
+          <a:fillRef idx="1">
+            <a:schemeClr val="accent1"/>
+          </a:fillRef>
+          <a:effectRef idx="0">
+            <a:schemeClr val="accent1"/>
+          </a:effectRef>
+          <a:fontRef idx="minor">
+            <a:schemeClr val="lt1"/>
+          </a:fontRef>
+        </p:style>
+        <p:txBody>
+          <a:bodyPr rtlCol="0" anchor="ctr"/>
+          <a:lstStyle/>
+          <a:p>
+            <a:pPr algn="ctr"/>
+            <a:endParaRPr lang="ko-KR" altLang="en-US"/>
+          </a:p>
+        </p:txBody>
+      </p:sp>
+      <p:sp>
+        <p:nvSpPr>
+          <p:cNvPr id="17" name="Rectangle 16"/>
+          <p:cNvSpPr/>
+          <p:nvPr/>
+        </p:nvSpPr>
+        <p:spPr>
+          <a:xfrm>
+            <a:off x="1524000" y="1828800"/>
+            <a:ext cx="1905000" cy="381000"/>
+          </a:xfrm>
+          <a:prstGeom prst="rect">
+            <a:avLst/>
+          </a:prstGeom>
+          <a:solidFill>
+            <a:srgbClr val="C00000"/>
+          </a:solidFill>
+          <a:ln>
+            <a:noFill/>
+          </a:ln>
+        </p:spPr>
+        <p:style>
+          <a:lnRef idx="2">
+            <a:schemeClr val="accent1">
+              <a:shade val="50000"/>
+            </a:schemeClr>
+          </a:lnRef>
+          <a:fillRef idx="1">
+            <a:schemeClr val="accent1"/>
+          </a:fillRef>
+          <a:effectRef idx="0">
+            <a:schemeClr val="accent1"/>
+          </a:effectRef>
+          <a:fontRef idx="minor">
+            <a:schemeClr val="lt1"/>
+          </a:fontRef>
+        </p:style>
+        <p:txBody>
+          <a:bodyPr rtlCol="0" anchor="ctr"/>
+          <a:lstStyle/>
+          <a:p>
+            <a:pPr algn="ctr"/>
+            <a:r>
+              <a:rPr lang="en-US" altLang="ko-KR" sz="1400" b="1" dirty="0" smtClean="0">
+                <a:solidFill>
+                  <a:schemeClr val="bg1"/>
+                </a:solidFill>
+              </a:rPr>
+              <a:t>toolbar icon</a:t>
+            </a:r>
+          </a:p>
+          <a:p>
+            <a:pPr algn="ctr"/>
+            <a:r>
+              <a:rPr lang="en-US" altLang="ko-KR" sz="1400" b="1" dirty="0" smtClean="0">
+                <a:solidFill>
+                  <a:schemeClr val="bg1"/>
+                </a:solidFill>
+              </a:rPr>
+              <a:t>for suspect API search</a:t>
+            </a:r>
+            <a:endParaRPr lang="ko-KR" altLang="en-US" sz="1400" b="1" dirty="0">
+              <a:solidFill>
+                <a:schemeClr val="bg1"/>
+              </a:solidFill>
+            </a:endParaRPr>
+          </a:p>
+        </p:txBody>
+      </p:sp>
+      <p:cxnSp>
+        <p:nvCxnSpPr>
+          <p:cNvPr id="18" name="Straight Arrow Connector 17"/>
+          <p:cNvCxnSpPr>
+            <a:stCxn id="17" idx="0"/>
+            <a:endCxn id="14" idx="5"/>
+          </p:cNvCxnSpPr>
+          <p:nvPr/>
+        </p:nvCxnSpPr>
+        <p:spPr>
+          <a:xfrm flipH="1" flipV="1">
+            <a:off x="945963" y="1413675"/>
+            <a:ext cx="1530537" cy="415125"/>
+          </a:xfrm>
+          <a:prstGeom prst="straightConnector1">
+            <a:avLst/>
+          </a:prstGeom>
+          <a:ln w="12700">
+            <a:solidFill>
+              <a:srgbClr val="C00000"/>
+            </a:solidFill>
+            <a:tailEnd type="arrow"/>
+          </a:ln>
+        </p:spPr>
+        <p:style>
+          <a:lnRef idx="1">
+            <a:schemeClr val="accent1"/>
+          </a:lnRef>
+          <a:fillRef idx="0">
+            <a:schemeClr val="accent1"/>
+          </a:fillRef>
+          <a:effectRef idx="0">
+            <a:schemeClr val="accent1"/>
+          </a:effectRef>
+          <a:fontRef idx="minor">
+            <a:schemeClr val="tx1"/>
+          </a:fontRef>
+        </p:style>
+      </p:cxnSp>
+      <p:sp>
+        <p:nvSpPr>
+          <p:cNvPr id="22" name="Oval 21"/>
+          <p:cNvSpPr/>
+          <p:nvPr/>
+        </p:nvSpPr>
+        <p:spPr>
+          <a:xfrm>
+            <a:off x="28575" y="4495800"/>
+            <a:ext cx="990600" cy="313841"/>
+          </a:xfrm>
+          <a:prstGeom prst="ellipse">
+            <a:avLst/>
+          </a:prstGeom>
+          <a:noFill/>
+          <a:ln>
+            <a:solidFill>
+              <a:srgbClr val="C00000"/>
+            </a:solidFill>
+          </a:ln>
+        </p:spPr>
+        <p:style>
+          <a:lnRef idx="2">
+            <a:schemeClr val="accent1">
+              <a:shade val="50000"/>
+            </a:schemeClr>
+          </a:lnRef>
+          <a:fillRef idx="1">
+            <a:schemeClr val="accent1"/>
+          </a:fillRef>
+          <a:effectRef idx="0">
+            <a:schemeClr val="accent1"/>
+          </a:effectRef>
+          <a:fontRef idx="minor">
+            <a:schemeClr val="lt1"/>
+          </a:fontRef>
+        </p:style>
+        <p:txBody>
+          <a:bodyPr rtlCol="0" anchor="ctr"/>
+          <a:lstStyle/>
+          <a:p>
+            <a:pPr algn="ctr"/>
+            <a:endParaRPr lang="ko-KR" altLang="en-US"/>
+          </a:p>
+        </p:txBody>
+      </p:sp>
+      <p:sp>
+        <p:nvSpPr>
+          <p:cNvPr id="23" name="Rectangle 22"/>
+          <p:cNvSpPr/>
+          <p:nvPr/>
+        </p:nvSpPr>
+        <p:spPr>
+          <a:xfrm>
+            <a:off x="381000" y="3886200"/>
+            <a:ext cx="1371600" cy="381000"/>
+          </a:xfrm>
+          <a:prstGeom prst="rect">
+            <a:avLst/>
+          </a:prstGeom>
+          <a:solidFill>
+            <a:srgbClr val="C00000"/>
+          </a:solidFill>
+          <a:ln>
+            <a:noFill/>
+          </a:ln>
+        </p:spPr>
+        <p:style>
+          <a:lnRef idx="2">
+            <a:schemeClr val="accent1">
+              <a:shade val="50000"/>
+            </a:schemeClr>
+          </a:lnRef>
+          <a:fillRef idx="1">
+            <a:schemeClr val="accent1"/>
+          </a:fillRef>
+          <a:effectRef idx="0">
+            <a:schemeClr val="accent1"/>
+          </a:effectRef>
+          <a:fontRef idx="minor">
+            <a:schemeClr val="lt1"/>
+          </a:fontRef>
+        </p:style>
+        <p:txBody>
+          <a:bodyPr rtlCol="0" anchor="ctr"/>
+          <a:lstStyle/>
+          <a:p>
+            <a:pPr algn="ctr"/>
+            <a:r>
+              <a:rPr lang="en-US" altLang="ko-KR" sz="1400" b="1" dirty="0" smtClean="0">
+                <a:solidFill>
+                  <a:schemeClr val="bg1"/>
+                </a:solidFill>
+              </a:rPr>
+              <a:t>view w/ results:</a:t>
+            </a:r>
+          </a:p>
+          <a:p>
+            <a:pPr algn="ctr"/>
+            <a:r>
+              <a:rPr lang="en-US" altLang="ko-KR" sz="1400" b="1" dirty="0" smtClean="0">
+                <a:solidFill>
+                  <a:schemeClr val="bg1"/>
+                </a:solidFill>
+              </a:rPr>
+              <a:t>leak sources</a:t>
+            </a:r>
+            <a:endParaRPr lang="ko-KR" altLang="en-US" sz="1400" b="1" dirty="0">
+              <a:solidFill>
+                <a:schemeClr val="bg1"/>
+              </a:solidFill>
+            </a:endParaRPr>
+          </a:p>
+        </p:txBody>
+      </p:sp>
+      <p:cxnSp>
+        <p:nvCxnSpPr>
+          <p:cNvPr id="24" name="Straight Arrow Connector 23"/>
+          <p:cNvCxnSpPr>
+            <a:stCxn id="23" idx="2"/>
+            <a:endCxn id="22" idx="0"/>
+          </p:cNvCxnSpPr>
+          <p:nvPr/>
+        </p:nvCxnSpPr>
+        <p:spPr>
+          <a:xfrm flipH="1">
+            <a:off x="523875" y="4267200"/>
+            <a:ext cx="542925" cy="228600"/>
+          </a:xfrm>
+          <a:prstGeom prst="straightConnector1">
+            <a:avLst/>
+          </a:prstGeom>
+          <a:ln w="12700">
+            <a:solidFill>
+              <a:srgbClr val="C00000"/>
+            </a:solidFill>
+            <a:tailEnd type="arrow"/>
+          </a:ln>
+        </p:spPr>
+        <p:style>
+          <a:lnRef idx="1">
+            <a:schemeClr val="accent1"/>
+          </a:lnRef>
+          <a:fillRef idx="0">
+            <a:schemeClr val="accent1"/>
+          </a:fillRef>
+          <a:effectRef idx="0">
+            <a:schemeClr val="accent1"/>
+          </a:effectRef>
+          <a:fontRef idx="minor">
+            <a:schemeClr val="tx1"/>
+          </a:fontRef>
+        </p:style>
+      </p:cxnSp>
+    </p:spTree>
+    <p:extLst>
+      <p:ext uri="{BB962C8B-B14F-4D97-AF65-F5344CB8AC3E}">
+        <p14:creationId xmlns:p14="http://schemas.microsoft.com/office/powerpoint/2010/main" val="1619770224"/>
+      </p:ext>
+    </p:extLst>
+  </p:cSld>
+  <p:clrMapOvr>
+    <a:masterClrMapping/>
+  </p:clrMapOvr>
+</p:sld>
+</file>
+
+<file path=ppt/slides/slide9.xml><?xml version="1.0" encoding="utf-8"?>
+<p:sld xmlns:a="http://schemas.openxmlformats.org/drawingml/2006/main" xmlns:r="http://schemas.openxmlformats.org/officeDocument/2006/relationships" xmlns:p="http://schemas.openxmlformats.org/presentationml/2006/main">
+  <p:cSld>
+    <p:spTree>
+      <p:nvGrpSpPr>
+        <p:cNvPr id="1" name=""/>
+        <p:cNvGrpSpPr/>
+        <p:nvPr/>
+      </p:nvGrpSpPr>
+      <p:grpSpPr>
+        <a:xfrm>
+          <a:off x="0" y="0"/>
+          <a:ext cx="0" cy="0"/>
+          <a:chOff x="0" y="0"/>
+          <a:chExt cx="0" cy="0"/>
+        </a:xfrm>
+      </p:grpSpPr>
+      <p:pic>
+        <p:nvPicPr>
+          <p:cNvPr id="7171" name="Picture 3"/>
+          <p:cNvPicPr>
+            <a:picLocks noChangeAspect="1" noChangeArrowheads="1"/>
+          </p:cNvPicPr>
+          <p:nvPr/>
+        </p:nvPicPr>
+        <p:blipFill>
+          <a:blip r:embed="rId2">
+            <a:extLst>
+              <a:ext uri="{28A0092B-C50C-407E-A947-70E740481C1C}">
+                <a14:useLocalDpi xmlns:a14="http://schemas.microsoft.com/office/drawing/2010/main" val="0"/>
+              </a:ext>
+            </a:extLst>
+          </a:blip>
+          <a:srcRect/>
+          <a:stretch>
+            <a:fillRect/>
+          </a:stretch>
+        </p:blipFill>
+        <p:spPr bwMode="auto">
+          <a:xfrm>
+            <a:off x="0" y="1143000"/>
+            <a:ext cx="8805600" cy="4692882"/>
+          </a:xfrm>
+          <a:prstGeom prst="rect">
+            <a:avLst/>
+          </a:prstGeom>
+          <a:noFill/>
+          <a:ln>
+            <a:noFill/>
+          </a:ln>
+          <a:extLst>
+            <a:ext uri="{909E8E84-426E-40DD-AFC4-6F175D3DCCD1}">
+              <a14:hiddenFill xmlns:a14="http://schemas.microsoft.com/office/drawing/2010/main">
+                <a:solidFill>
+                  <a:schemeClr val="accent1"/>
+                </a:solidFill>
+              </a14:hiddenFill>
+            </a:ext>
+            <a:ext uri="{91240B29-F687-4F45-9708-019B960494DF}">
+              <a14:hiddenLine xmlns:a14="http://schemas.microsoft.com/office/drawing/2010/main" w="9525">
+                <a:solidFill>
+                  <a:schemeClr val="tx1"/>
+                </a:solidFill>
+                <a:miter lim="800000"/>
+                <a:headEnd/>
+                <a:tailEnd/>
+              </a14:hiddenLine>
+            </a:ext>
+          </a:extLst>
+        </p:spPr>
+      </p:pic>
       <p:pic>
         <p:nvPicPr>
           <p:cNvPr id="4102" name="Picture 6" descr="http://fxlogisticsinc.com/Content/images/computer-hand-icon.png"/>
@@ -4062,7 +4702,7 @@
         </p:nvSpPr>
         <p:spPr>
           <a:xfrm rot="10800000" flipV="1">
-            <a:off x="6408969" y="2191720"/>
+            <a:off x="6845924" y="2267920"/>
             <a:ext cx="774076" cy="322880"/>
           </a:xfrm>
           <a:prstGeom prst="rightArrow">
@@ -4099,6 +4739,56 @@
             <a:r>
               <a:rPr lang="en-US" altLang="ko-KR" sz="1400" b="1" dirty="0" smtClean="0"/>
               <a:t>locate</a:t>
+            </a:r>
+            <a:endParaRPr lang="ko-KR" altLang="en-US" sz="1400" b="1" dirty="0"/>
+          </a:p>
+        </p:txBody>
+      </p:sp>
+      <p:sp>
+        <p:nvSpPr>
+          <p:cNvPr id="7" name="Right Arrow 6"/>
+          <p:cNvSpPr/>
+          <p:nvPr/>
+        </p:nvSpPr>
+        <p:spPr>
+          <a:xfrm rot="10800000" flipV="1">
+            <a:off x="6705600" y="5011119"/>
+            <a:ext cx="1219200" cy="322880"/>
+          </a:xfrm>
+          <a:prstGeom prst="rightArrow">
+            <a:avLst/>
+          </a:prstGeom>
+          <a:solidFill>
+            <a:srgbClr val="C00000"/>
+          </a:solidFill>
+          <a:ln>
+            <a:noFill/>
+          </a:ln>
+        </p:spPr>
+        <p:style>
+          <a:lnRef idx="2">
+            <a:schemeClr val="accent1">
+              <a:shade val="50000"/>
+            </a:schemeClr>
+          </a:lnRef>
+          <a:fillRef idx="1">
+            <a:schemeClr val="accent1"/>
+          </a:fillRef>
+          <a:effectRef idx="0">
+            <a:schemeClr val="accent1"/>
+          </a:effectRef>
+          <a:fontRef idx="minor">
+            <a:schemeClr val="lt1"/>
+          </a:fontRef>
+        </p:style>
+        <p:txBody>
+          <a:bodyPr rtlCol="0" anchor="ctr"/>
+          <a:lstStyle/>
+          <a:p>
+            <a:pPr algn="ctr"/>
+            <a:r>
+              <a:rPr lang="en-US" altLang="ko-KR" sz="1400" b="1" dirty="0" smtClean="0"/>
+              <a:t>dependency</a:t>
             </a:r>
             <a:endParaRPr lang="ko-KR" altLang="en-US" sz="1400" b="1" dirty="0"/>
           </a:p>
